--- a/topic10/talk-1/mongoDB.pptx
+++ b/topic10/talk-1/mongoDB.pptx
@@ -5,7 +5,7 @@
     <p:sldMasterId id="2147483648" r:id="rId1"/>
   </p:sldMasterIdLst>
   <p:notesMasterIdLst>
-    <p:notesMasterId r:id="rId41"/>
+    <p:notesMasterId r:id="rId39"/>
   </p:notesMasterIdLst>
   <p:sldIdLst>
     <p:sldId id="256" r:id="rId2"/>
@@ -42,11 +42,9 @@
     <p:sldId id="303" r:id="rId33"/>
     <p:sldId id="304" r:id="rId34"/>
     <p:sldId id="305" r:id="rId35"/>
-    <p:sldId id="306" r:id="rId36"/>
-    <p:sldId id="307" r:id="rId37"/>
-    <p:sldId id="308" r:id="rId38"/>
-    <p:sldId id="309" r:id="rId39"/>
-    <p:sldId id="310" r:id="rId40"/>
+    <p:sldId id="308" r:id="rId36"/>
+    <p:sldId id="309" r:id="rId37"/>
+    <p:sldId id="310" r:id="rId38"/>
   </p:sldIdLst>
   <p:sldSz cx="9144000" cy="6858000" type="screen4x3"/>
   <p:notesSz cx="6858000" cy="9144000"/>
@@ -246,7 +244,7 @@
           <a:p>
             <a:fld id="{E753CC8B-2C22-4294-82AF-E18635F6C8A8}" type="datetimeFigureOut">
               <a:rPr lang="en-US" smtClean="0"/>
-              <a:t>3/20/2018</a:t>
+              <a:t>3/23/2020</a:t>
             </a:fld>
             <a:endParaRPr lang="en-US"/>
           </a:p>
@@ -692,7 +690,7 @@
           <a:p>
             <a:fld id="{B9A3E4E1-EAAE-4738-8551-BAE8BA49A08B}" type="datetimeFigureOut">
               <a:rPr lang="en-US" smtClean="0"/>
-              <a:t>3/20/2018</a:t>
+              <a:t>3/23/2020</a:t>
             </a:fld>
             <a:endParaRPr lang="en-US"/>
           </a:p>
@@ -860,7 +858,7 @@
           <a:p>
             <a:fld id="{B9A3E4E1-EAAE-4738-8551-BAE8BA49A08B}" type="datetimeFigureOut">
               <a:rPr lang="en-US" smtClean="0"/>
-              <a:t>3/20/2018</a:t>
+              <a:t>3/23/2020</a:t>
             </a:fld>
             <a:endParaRPr lang="en-US"/>
           </a:p>
@@ -1038,7 +1036,7 @@
           <a:p>
             <a:fld id="{B9A3E4E1-EAAE-4738-8551-BAE8BA49A08B}" type="datetimeFigureOut">
               <a:rPr lang="en-US" smtClean="0"/>
-              <a:t>3/20/2018</a:t>
+              <a:t>3/23/2020</a:t>
             </a:fld>
             <a:endParaRPr lang="en-US"/>
           </a:p>
@@ -1206,7 +1204,7 @@
           <a:p>
             <a:fld id="{B9A3E4E1-EAAE-4738-8551-BAE8BA49A08B}" type="datetimeFigureOut">
               <a:rPr lang="en-US" smtClean="0"/>
-              <a:t>3/20/2018</a:t>
+              <a:t>3/23/2020</a:t>
             </a:fld>
             <a:endParaRPr lang="en-US"/>
           </a:p>
@@ -1451,7 +1449,7 @@
           <a:p>
             <a:fld id="{B9A3E4E1-EAAE-4738-8551-BAE8BA49A08B}" type="datetimeFigureOut">
               <a:rPr lang="en-US" smtClean="0"/>
-              <a:t>3/20/2018</a:t>
+              <a:t>3/23/2020</a:t>
             </a:fld>
             <a:endParaRPr lang="en-US"/>
           </a:p>
@@ -1736,7 +1734,7 @@
           <a:p>
             <a:fld id="{B9A3E4E1-EAAE-4738-8551-BAE8BA49A08B}" type="datetimeFigureOut">
               <a:rPr lang="en-US" smtClean="0"/>
-              <a:t>3/20/2018</a:t>
+              <a:t>3/23/2020</a:t>
             </a:fld>
             <a:endParaRPr lang="en-US"/>
           </a:p>
@@ -2155,7 +2153,7 @@
           <a:p>
             <a:fld id="{B9A3E4E1-EAAE-4738-8551-BAE8BA49A08B}" type="datetimeFigureOut">
               <a:rPr lang="en-US" smtClean="0"/>
-              <a:t>3/20/2018</a:t>
+              <a:t>3/23/2020</a:t>
             </a:fld>
             <a:endParaRPr lang="en-US"/>
           </a:p>
@@ -2272,7 +2270,7 @@
           <a:p>
             <a:fld id="{B9A3E4E1-EAAE-4738-8551-BAE8BA49A08B}" type="datetimeFigureOut">
               <a:rPr lang="en-US" smtClean="0"/>
-              <a:t>3/20/2018</a:t>
+              <a:t>3/23/2020</a:t>
             </a:fld>
             <a:endParaRPr lang="en-US"/>
           </a:p>
@@ -2367,7 +2365,7 @@
           <a:p>
             <a:fld id="{B9A3E4E1-EAAE-4738-8551-BAE8BA49A08B}" type="datetimeFigureOut">
               <a:rPr lang="en-US" smtClean="0"/>
-              <a:t>3/20/2018</a:t>
+              <a:t>3/23/2020</a:t>
             </a:fld>
             <a:endParaRPr lang="en-US"/>
           </a:p>
@@ -2642,7 +2640,7 @@
           <a:p>
             <a:fld id="{B9A3E4E1-EAAE-4738-8551-BAE8BA49A08B}" type="datetimeFigureOut">
               <a:rPr lang="en-US" smtClean="0"/>
-              <a:t>3/20/2018</a:t>
+              <a:t>3/23/2020</a:t>
             </a:fld>
             <a:endParaRPr lang="en-US"/>
           </a:p>
@@ -2894,7 +2892,7 @@
           <a:p>
             <a:fld id="{B9A3E4E1-EAAE-4738-8551-BAE8BA49A08B}" type="datetimeFigureOut">
               <a:rPr lang="en-US" smtClean="0"/>
-              <a:t>3/20/2018</a:t>
+              <a:t>3/23/2020</a:t>
             </a:fld>
             <a:endParaRPr lang="en-US"/>
           </a:p>
@@ -3105,7 +3103,7 @@
           <a:p>
             <a:fld id="{B9A3E4E1-EAAE-4738-8551-BAE8BA49A08B}" type="datetimeFigureOut">
               <a:rPr lang="en-US" smtClean="0"/>
-              <a:t>3/20/2018</a:t>
+              <a:t>3/23/2020</a:t>
             </a:fld>
             <a:endParaRPr lang="en-US"/>
           </a:p>
@@ -6314,15 +6312,7 @@
             <a:pPr lvl="1"/>
             <a:r>
               <a:rPr lang="en-IE"/>
-              <a:t>Needs a </a:t>
-            </a:r>
-            <a:r>
-              <a:rPr lang="en-IE" err="1"/>
-              <a:t>mongoose.Schema</a:t>
-            </a:r>
-            <a:r>
-              <a:rPr lang="en-IE"/>
-              <a:t> </a:t>
+              <a:t>Needs a mongoose.Schema </a:t>
             </a:r>
           </a:p>
           <a:p>
@@ -6340,13 +6330,19 @@
             </a:r>
           </a:p>
           <a:p>
-            <a:endParaRPr lang="en-IE"/>
+            <a:endParaRPr lang="en-IE" dirty="0"/>
           </a:p>
         </p:txBody>
       </p:sp>
       <p:pic>
         <p:nvPicPr>
-          <p:cNvPr id="5" name="Picture 4"/>
+          <p:cNvPr id="4" name="Picture 3">
+            <a:extLst>
+              <a:ext uri="{FF2B5EF4-FFF2-40B4-BE49-F238E27FC236}">
+                <a16:creationId xmlns:a16="http://schemas.microsoft.com/office/drawing/2014/main" id="{92D59B08-1310-473B-AB33-7AD1C8787E68}"/>
+              </a:ext>
+            </a:extLst>
+          </p:cNvPr>
           <p:cNvPicPr>
             <a:picLocks noChangeAspect="1"/>
           </p:cNvPicPr>
@@ -6360,8 +6356,8 @@
         </p:blipFill>
         <p:spPr>
           <a:xfrm>
-            <a:off x="457200" y="3610709"/>
-            <a:ext cx="7732078" cy="2955925"/>
+            <a:off x="534750" y="3749180"/>
+            <a:ext cx="6696075" cy="2762250"/>
           </a:xfrm>
           <a:prstGeom prst="rect">
             <a:avLst/>
@@ -6400,7 +6396,13 @@
       </p:grpSpPr>
       <p:pic>
         <p:nvPicPr>
-          <p:cNvPr id="8" name="Picture 7"/>
+          <p:cNvPr id="3" name="Picture 2">
+            <a:extLst>
+              <a:ext uri="{FF2B5EF4-FFF2-40B4-BE49-F238E27FC236}">
+                <a16:creationId xmlns:a16="http://schemas.microsoft.com/office/drawing/2014/main" id="{BCB90FEF-AA18-4CE4-9224-75A0C23106A6}"/>
+              </a:ext>
+            </a:extLst>
+          </p:cNvPr>
           <p:cNvPicPr>
             <a:picLocks noChangeAspect="1"/>
           </p:cNvPicPr>
@@ -6414,8 +6416,8 @@
         </p:blipFill>
         <p:spPr>
           <a:xfrm>
-            <a:off x="792114" y="1693960"/>
-            <a:ext cx="6962980" cy="4739652"/>
+            <a:off x="759927" y="1268969"/>
+            <a:ext cx="5599097" cy="4301193"/>
           </a:xfrm>
           <a:prstGeom prst="rect">
             <a:avLst/>
@@ -6487,14 +6489,18 @@
           <a:p>
             <a:pPr algn="ctr"/>
             <a:r>
-              <a:rPr lang="en-IE"/>
-              <a:t>Comments property is an Array of </a:t>
-            </a:r>
-            <a:r>
-              <a:rPr lang="en-IE" err="1"/>
-              <a:t>CommentSchemas</a:t>
-            </a:r>
-            <a:endParaRPr lang="en-IE"/>
+              <a:rPr lang="en-IE" dirty="0" err="1"/>
+              <a:t>reveies</a:t>
+            </a:r>
+            <a:r>
+              <a:rPr lang="en-IE" dirty="0"/>
+              <a:t> property is an Array of </a:t>
+            </a:r>
+            <a:r>
+              <a:rPr lang="en-IE" dirty="0" err="1"/>
+              <a:t>MovieReviewSchema</a:t>
+            </a:r>
+            <a:endParaRPr lang="en-IE" dirty="0"/>
           </a:p>
         </p:txBody>
       </p:sp>
@@ -6764,7 +6770,13 @@
       </p:sp>
       <p:pic>
         <p:nvPicPr>
-          <p:cNvPr id="4" name="Picture 3"/>
+          <p:cNvPr id="5" name="Picture 4">
+            <a:extLst>
+              <a:ext uri="{FF2B5EF4-FFF2-40B4-BE49-F238E27FC236}">
+                <a16:creationId xmlns:a16="http://schemas.microsoft.com/office/drawing/2014/main" id="{E6BDD2E2-3F9D-45DF-8072-C8FD60F6DFF3}"/>
+              </a:ext>
+            </a:extLst>
+          </p:cNvPr>
           <p:cNvPicPr>
             <a:picLocks noChangeAspect="1"/>
           </p:cNvPicPr>
@@ -6778,8 +6790,8 @@
         </p:blipFill>
         <p:spPr>
           <a:xfrm>
-            <a:off x="685800" y="3581400"/>
-            <a:ext cx="7872984" cy="2133600"/>
+            <a:off x="975039" y="3687083"/>
+            <a:ext cx="5987735" cy="1931940"/>
           </a:xfrm>
           <a:prstGeom prst="rect">
             <a:avLst/>
@@ -7026,18 +7038,43 @@
           <a:lstStyle/>
           <a:p>
             <a:r>
-              <a:rPr lang="en-IE"/>
-              <a:t>Create Contact with Mongoose</a:t>
-            </a:r>
+              <a:rPr lang="en-IE" dirty="0"/>
+              <a:t>Create with Mongoose</a:t>
+            </a:r>
+          </a:p>
+        </p:txBody>
+      </p:sp>
+      <p:sp>
+        <p:nvSpPr>
+          <p:cNvPr id="7" name="Content Placeholder 6">
+            <a:extLst>
+              <a:ext uri="{FF2B5EF4-FFF2-40B4-BE49-F238E27FC236}">
+                <a16:creationId xmlns:a16="http://schemas.microsoft.com/office/drawing/2014/main" id="{1FDC1653-AC7C-4E6B-8F6C-B6462EB4EAFC}"/>
+              </a:ext>
+            </a:extLst>
+          </p:cNvPr>
+          <p:cNvSpPr>
+            <a:spLocks noGrp="1"/>
+          </p:cNvSpPr>
+          <p:nvPr>
+            <p:ph idx="1"/>
+          </p:nvPr>
+        </p:nvSpPr>
+        <p:spPr/>
+        <p:txBody>
+          <a:bodyPr/>
+          <a:lstStyle/>
+          <a:p>
+            <a:endParaRPr lang="en-IE" dirty="0"/>
           </a:p>
         </p:txBody>
       </p:sp>
       <p:pic>
         <p:nvPicPr>
-          <p:cNvPr id="3" name="Picture 3" descr="A screenshot of a social media post&#10;&#10;Description generated with very high confidence">
+          <p:cNvPr id="8" name="Picture 7">
             <a:extLst>
               <a:ext uri="{FF2B5EF4-FFF2-40B4-BE49-F238E27FC236}">
-                <a16:creationId xmlns:a16="http://schemas.microsoft.com/office/drawing/2014/main" id="{13A17DC3-8A76-4738-AB0F-6CF645AFE5DE}"/>
+                <a16:creationId xmlns:a16="http://schemas.microsoft.com/office/drawing/2014/main" id="{544449B0-3775-426E-909A-D5B8B4221EDB}"/>
               </a:ext>
             </a:extLst>
           </p:cNvPr>
@@ -7046,46 +7083,16 @@
           </p:cNvPicPr>
           <p:nvPr/>
         </p:nvPicPr>
-        <p:blipFill rotWithShape="1">
+        <p:blipFill>
           <a:blip r:embed="rId2"/>
-          <a:srcRect t="47300" r="55855" b="39249"/>
-          <a:stretch/>
+          <a:stretch>
+            <a:fillRect/>
+          </a:stretch>
         </p:blipFill>
         <p:spPr>
           <a:xfrm>
-            <a:off x="682052" y="4592533"/>
-            <a:ext cx="9202219" cy="1531626"/>
-          </a:xfrm>
-          <a:prstGeom prst="rect">
-            <a:avLst/>
-          </a:prstGeom>
-        </p:spPr>
-      </p:pic>
-      <p:pic>
-        <p:nvPicPr>
-          <p:cNvPr id="9" name="Picture 9" descr="A screenshot of a cell phone&#10;&#10;Description generated with very high confidence">
-            <a:extLst>
-              <a:ext uri="{FF2B5EF4-FFF2-40B4-BE49-F238E27FC236}">
-                <a16:creationId xmlns:a16="http://schemas.microsoft.com/office/drawing/2014/main" id="{A645D6F2-DBCD-44B0-A750-EE1735C6D18C}"/>
-              </a:ext>
-            </a:extLst>
-          </p:cNvPr>
-          <p:cNvPicPr>
-            <a:picLocks noGrp="1" noChangeAspect="1"/>
-          </p:cNvPicPr>
-          <p:nvPr>
-            <p:ph idx="1"/>
-          </p:nvPr>
-        </p:nvPicPr>
-        <p:blipFill rotWithShape="1">
-          <a:blip r:embed="rId3"/>
-          <a:srcRect l="227" t="16343" r="65278" b="40230"/>
-          <a:stretch/>
-        </p:blipFill>
-        <p:spPr>
-          <a:xfrm>
-            <a:off x="682052" y="1327590"/>
-            <a:ext cx="4295346" cy="2934966"/>
+            <a:off x="868507" y="4391166"/>
+            <a:ext cx="6766717" cy="1189462"/>
           </a:xfrm>
           <a:prstGeom prst="rect">
             <a:avLst/>
@@ -7255,37 +7262,61 @@
           <a:lstStyle/>
           <a:p>
             <a:r>
-              <a:rPr lang="en-IE"/>
-              <a:t>Update Contact with Mongoose</a:t>
-            </a:r>
+              <a:rPr lang="en-IE" dirty="0"/>
+              <a:t>Update with Mongoose</a:t>
+            </a:r>
+          </a:p>
+        </p:txBody>
+      </p:sp>
+      <p:sp>
+        <p:nvSpPr>
+          <p:cNvPr id="4" name="Content Placeholder 3">
+            <a:extLst>
+              <a:ext uri="{FF2B5EF4-FFF2-40B4-BE49-F238E27FC236}">
+                <a16:creationId xmlns:a16="http://schemas.microsoft.com/office/drawing/2014/main" id="{F8AB79EB-7032-43A9-AC27-D5C5FE846300}"/>
+              </a:ext>
+            </a:extLst>
+          </p:cNvPr>
+          <p:cNvSpPr>
+            <a:spLocks noGrp="1"/>
+          </p:cNvSpPr>
+          <p:nvPr>
+            <p:ph idx="1"/>
+          </p:nvPr>
+        </p:nvSpPr>
+        <p:spPr/>
+        <p:txBody>
+          <a:bodyPr/>
+          <a:lstStyle/>
+          <a:p>
+            <a:endParaRPr lang="en-IE"/>
           </a:p>
         </p:txBody>
       </p:sp>
       <p:pic>
         <p:nvPicPr>
-          <p:cNvPr id="6" name="Picture 6" descr="A screenshot of a social media post&#10;&#10;Description generated with very high confidence">
+          <p:cNvPr id="5" name="Picture 4">
             <a:extLst>
               <a:ext uri="{FF2B5EF4-FFF2-40B4-BE49-F238E27FC236}">
-                <a16:creationId xmlns:a16="http://schemas.microsoft.com/office/drawing/2014/main" id="{A2C44CA0-C046-48BF-91CB-062B179E3BE1}"/>
+                <a16:creationId xmlns:a16="http://schemas.microsoft.com/office/drawing/2014/main" id="{F2526521-AC7C-463E-ABCA-131AB1A6B1E4}"/>
               </a:ext>
             </a:extLst>
           </p:cNvPr>
           <p:cNvPicPr>
-            <a:picLocks noGrp="1" noChangeAspect="1"/>
+            <a:picLocks noChangeAspect="1"/>
           </p:cNvPicPr>
-          <p:nvPr>
-            <p:ph idx="1"/>
-          </p:nvPr>
+          <p:nvPr/>
         </p:nvPicPr>
-        <p:blipFill rotWithShape="1">
+        <p:blipFill>
           <a:blip r:embed="rId2"/>
-          <a:srcRect t="27083" r="65728" b="47500"/>
-          <a:stretch/>
+          <a:stretch>
+            <a:fillRect/>
+          </a:stretch>
         </p:blipFill>
         <p:spPr>
           <a:xfrm>
-            <a:off x="723181" y="2095836"/>
-            <a:ext cx="7704049" cy="3104570"/>
+            <a:off x="376564" y="1711302"/>
+            <a:ext cx="8225381" cy="2930500"/>
           </a:xfrm>
           <a:prstGeom prst="rect">
             <a:avLst/>
@@ -7598,10 +7629,10 @@
       </p:sp>
       <p:pic>
         <p:nvPicPr>
-          <p:cNvPr id="7" name="Picture 7" descr="A screenshot of a social media post&#10;&#10;Description generated with very high confidence">
+          <p:cNvPr id="4" name="Picture 3">
             <a:extLst>
               <a:ext uri="{FF2B5EF4-FFF2-40B4-BE49-F238E27FC236}">
-                <a16:creationId xmlns:a16="http://schemas.microsoft.com/office/drawing/2014/main" id="{8053C547-C306-4DCE-9256-47E26A21364F}"/>
+                <a16:creationId xmlns:a16="http://schemas.microsoft.com/office/drawing/2014/main" id="{6FA9FFAE-F748-4157-97CB-4E5B32E601E4}"/>
               </a:ext>
             </a:extLst>
           </p:cNvPr>
@@ -7610,15 +7641,16 @@
           </p:cNvPicPr>
           <p:nvPr/>
         </p:nvPicPr>
-        <p:blipFill rotWithShape="1">
+        <p:blipFill>
           <a:blip r:embed="rId2"/>
-          <a:srcRect t="54082" r="64923" b="28371"/>
-          <a:stretch/>
+          <a:stretch>
+            <a:fillRect/>
+          </a:stretch>
         </p:blipFill>
         <p:spPr>
           <a:xfrm>
-            <a:off x="745761" y="4648201"/>
-            <a:ext cx="7307642" cy="1979159"/>
+            <a:off x="852705" y="4535427"/>
+            <a:ext cx="6810375" cy="2533650"/>
           </a:xfrm>
           <a:prstGeom prst="rect">
             <a:avLst/>
@@ -7818,24 +7850,24 @@
           <a:lstStyle/>
           <a:p>
             <a:r>
-              <a:rPr lang="en-IE"/>
-              <a:t>Ex: Hacker News – Adding a comment to a post. </a:t>
+              <a:rPr lang="en-IE" dirty="0"/>
+              <a:t>Ex: Movies – Adding a review to a favourite movie. </a:t>
             </a:r>
           </a:p>
           <a:p>
             <a:pPr marL="0" indent="0">
               <a:buNone/>
             </a:pPr>
-            <a:endParaRPr lang="en-IE"/>
+            <a:endParaRPr lang="en-IE" dirty="0"/>
           </a:p>
         </p:txBody>
       </p:sp>
       <p:pic>
         <p:nvPicPr>
-          <p:cNvPr id="5" name="Picture 5" descr="A screenshot of a social media post&#10;&#10;Description generated with very high confidence">
+          <p:cNvPr id="4" name="Picture 3">
             <a:extLst>
               <a:ext uri="{FF2B5EF4-FFF2-40B4-BE49-F238E27FC236}">
-                <a16:creationId xmlns:a16="http://schemas.microsoft.com/office/drawing/2014/main" id="{0ECC7B49-F037-4BA7-8E7C-1DDAFC3A2139}"/>
+                <a16:creationId xmlns:a16="http://schemas.microsoft.com/office/drawing/2014/main" id="{F18226BF-2755-43B8-803A-62861BA27912}"/>
               </a:ext>
             </a:extLst>
           </p:cNvPr>
@@ -7844,15 +7876,16 @@
           </p:cNvPicPr>
           <p:nvPr/>
         </p:nvPicPr>
-        <p:blipFill rotWithShape="1">
+        <p:blipFill>
           <a:blip r:embed="rId2"/>
-          <a:srcRect t="34345" r="60563" b="45385"/>
-          <a:stretch/>
+          <a:stretch>
+            <a:fillRect/>
+          </a:stretch>
         </p:blipFill>
         <p:spPr>
           <a:xfrm>
-            <a:off x="520907" y="3302737"/>
-            <a:ext cx="7763679" cy="2174355"/>
+            <a:off x="769305" y="3294972"/>
+            <a:ext cx="7042357" cy="2012102"/>
           </a:xfrm>
           <a:prstGeom prst="rect">
             <a:avLst/>
@@ -7889,35 +7922,6 @@
           <a:chExt cx="0" cy="0"/>
         </a:xfrm>
       </p:grpSpPr>
-      <p:pic>
-        <p:nvPicPr>
-          <p:cNvPr id="6" name="Picture 6" descr="A screenshot of a social media post&#10;&#10;Description generated with very high confidence">
-            <a:extLst>
-              <a:ext uri="{FF2B5EF4-FFF2-40B4-BE49-F238E27FC236}">
-                <a16:creationId xmlns:a16="http://schemas.microsoft.com/office/drawing/2014/main" id="{EC7D433F-B690-46FA-89CF-4ECB72066A3D}"/>
-              </a:ext>
-            </a:extLst>
-          </p:cNvPr>
-          <p:cNvPicPr>
-            <a:picLocks noChangeAspect="1"/>
-          </p:cNvPicPr>
-          <p:nvPr/>
-        </p:nvPicPr>
-        <p:blipFill rotWithShape="1">
-          <a:blip r:embed="rId2"/>
-          <a:srcRect t="35132" r="9759" b="37776"/>
-          <a:stretch/>
-        </p:blipFill>
-        <p:spPr>
-          <a:xfrm>
-            <a:off x="614597" y="2984417"/>
-            <a:ext cx="8294118" cy="1701406"/>
-          </a:xfrm>
-          <a:prstGeom prst="rect">
-            <a:avLst/>
-          </a:prstGeom>
-        </p:spPr>
-      </p:pic>
       <p:sp>
         <p:nvSpPr>
           <p:cNvPr id="2" name="Title 1"/>
@@ -7935,7 +7939,7 @@
           <a:p>
             <a:r>
               <a:rPr lang="en-IE"/>
-              <a:t>Mongoose Sub-Docs</a:t>
+              <a:t>MongoDB as a Service</a:t>
             </a:r>
           </a:p>
         </p:txBody>
@@ -7957,63 +7961,35 @@
           <a:p>
             <a:r>
               <a:rPr lang="en-IE"/>
-              <a:t>Updating a Sub-Document(e.g. incrementing the upvotes for a comment)</a:t>
-            </a:r>
-          </a:p>
-        </p:txBody>
-      </p:sp>
-      <p:sp>
-        <p:nvSpPr>
-          <p:cNvPr id="5" name="Callout: Line 4"/>
-          <p:cNvSpPr/>
-          <p:nvPr/>
-        </p:nvSpPr>
-        <p:spPr>
-          <a:xfrm>
-            <a:off x="4269910" y="4751095"/>
-            <a:ext cx="3146474" cy="1219200"/>
-          </a:xfrm>
-          <a:prstGeom prst="borderCallout1">
-            <a:avLst>
-              <a:gd name="adj1" fmla="val 18750"/>
-              <a:gd name="adj2" fmla="val -8333"/>
-              <a:gd name="adj3" fmla="val -61521"/>
-              <a:gd name="adj4" fmla="val -59290"/>
-            </a:avLst>
-          </a:prstGeom>
-        </p:spPr>
-        <p:style>
-          <a:lnRef idx="2">
-            <a:schemeClr val="accent1">
-              <a:shade val="50000"/>
-            </a:schemeClr>
-          </a:lnRef>
-          <a:fillRef idx="1">
-            <a:schemeClr val="accent1"/>
-          </a:fillRef>
-          <a:effectRef idx="0">
-            <a:schemeClr val="accent1"/>
-          </a:effectRef>
-          <a:fontRef idx="minor">
-            <a:schemeClr val="lt1"/>
-          </a:fontRef>
-        </p:style>
-        <p:txBody>
-          <a:bodyPr rtlCol="0" anchor="ctr"/>
-          <a:lstStyle/>
-          <a:p>
-            <a:pPr algn="ctr"/>
-            <a:r>
-              <a:rPr lang="en-IE"/>
-              <a:t>Each subdocument is assigned </a:t>
+              <a:t>Best practice for initial development is to host </a:t>
             </a:r>
             <a:r>
               <a:rPr lang="en-IE" err="1"/>
-              <a:t>it’s</a:t>
-            </a:r>
-            <a:r>
-              <a:rPr lang="en-IE"/>
-              <a:t> own _id from MongoDB. This is a special method to access sub documents</a:t>
+              <a:t>MongDB</a:t>
+            </a:r>
+            <a:r>
+              <a:rPr lang="en-IE"/>
+              <a:t> process on your development machine</a:t>
+            </a:r>
+          </a:p>
+          <a:p>
+            <a:r>
+              <a:rPr lang="en-IE"/>
+              <a:t>In production environments, Mongo will be hosted:</a:t>
+            </a:r>
+          </a:p>
+          <a:p>
+            <a:pPr lvl="1"/>
+            <a:r>
+              <a:rPr lang="en-IE"/>
+              <a:t> on it’s own instance or </a:t>
+            </a:r>
+          </a:p>
+          <a:p>
+            <a:pPr lvl="1"/>
+            <a:r>
+              <a:rPr lang="en-IE"/>
+              <a:t>provisioned as a service</a:t>
             </a:r>
           </a:p>
         </p:txBody>
@@ -8021,7 +7997,7 @@
     </p:spTree>
     <p:extLst>
       <p:ext uri="{BB962C8B-B14F-4D97-AF65-F5344CB8AC3E}">
-        <p14:creationId xmlns:p14="http://schemas.microsoft.com/office/powerpoint/2010/main" val="3895736802"/>
+        <p14:creationId xmlns:p14="http://schemas.microsoft.com/office/powerpoint/2010/main" val="3399238275"/>
       </p:ext>
     </p:extLst>
   </p:cSld>
@@ -8065,7 +8041,7 @@
           <a:p>
             <a:r>
               <a:rPr lang="en-IE"/>
-              <a:t>Mongo Sub docs</a:t>
+              <a:t>MongoDB as a Service</a:t>
             </a:r>
           </a:p>
         </p:txBody>
@@ -8085,218 +8061,19 @@
           <a:bodyPr/>
           <a:lstStyle/>
           <a:p>
-            <a:r>
-              <a:rPr lang="en-IE"/>
-              <a:t>Removing a sub document</a:t>
-            </a:r>
+            <a:endParaRPr lang="en-IE"/>
           </a:p>
         </p:txBody>
       </p:sp>
       <p:pic>
         <p:nvPicPr>
-          <p:cNvPr id="5" name="Picture 5" descr="A screenshot of a social media post&#10;&#10;Description generated with very high confidence">
+          <p:cNvPr id="6" name="Picture 5">
             <a:extLst>
               <a:ext uri="{FF2B5EF4-FFF2-40B4-BE49-F238E27FC236}">
-                <a16:creationId xmlns:a16="http://schemas.microsoft.com/office/drawing/2014/main" id="{98AF17E6-1645-406D-AEFD-4D84F6C42F8A}"/>
+                <a16:creationId xmlns:a16="http://schemas.microsoft.com/office/drawing/2014/main" id="{09360570-C252-4526-8919-A129F47C68FE}"/>
               </a:ext>
             </a:extLst>
           </p:cNvPr>
-          <p:cNvPicPr>
-            <a:picLocks noChangeAspect="1"/>
-          </p:cNvPicPr>
-          <p:nvPr/>
-        </p:nvPicPr>
-        <p:blipFill rotWithShape="1">
-          <a:blip r:embed="rId2"/>
-          <a:srcRect t="35823" r="15455" b="38552"/>
-          <a:stretch/>
-        </p:blipFill>
-        <p:spPr>
-          <a:xfrm>
-            <a:off x="457200" y="2814092"/>
-            <a:ext cx="8331962" cy="1709668"/>
-          </a:xfrm>
-          <a:prstGeom prst="rect">
-            <a:avLst/>
-          </a:prstGeom>
-        </p:spPr>
-      </p:pic>
-    </p:spTree>
-    <p:extLst>
-      <p:ext uri="{BB962C8B-B14F-4D97-AF65-F5344CB8AC3E}">
-        <p14:creationId xmlns:p14="http://schemas.microsoft.com/office/powerpoint/2010/main" val="1262325380"/>
-      </p:ext>
-    </p:extLst>
-  </p:cSld>
-  <p:clrMapOvr>
-    <a:masterClrMapping/>
-  </p:clrMapOvr>
-</p:sld>
-</file>
-
-<file path=ppt/slides/slide37.xml><?xml version="1.0" encoding="utf-8"?>
-<p:sld xmlns:a="http://schemas.openxmlformats.org/drawingml/2006/main" xmlns:r="http://schemas.openxmlformats.org/officeDocument/2006/relationships" xmlns:p="http://schemas.openxmlformats.org/presentationml/2006/main">
-  <p:cSld>
-    <p:spTree>
-      <p:nvGrpSpPr>
-        <p:cNvPr id="1" name=""/>
-        <p:cNvGrpSpPr/>
-        <p:nvPr/>
-      </p:nvGrpSpPr>
-      <p:grpSpPr>
-        <a:xfrm>
-          <a:off x="0" y="0"/>
-          <a:ext cx="0" cy="0"/>
-          <a:chOff x="0" y="0"/>
-          <a:chExt cx="0" cy="0"/>
-        </a:xfrm>
-      </p:grpSpPr>
-      <p:sp>
-        <p:nvSpPr>
-          <p:cNvPr id="2" name="Title 1"/>
-          <p:cNvSpPr>
-            <a:spLocks noGrp="1"/>
-          </p:cNvSpPr>
-          <p:nvPr>
-            <p:ph type="title"/>
-          </p:nvPr>
-        </p:nvSpPr>
-        <p:spPr/>
-        <p:txBody>
-          <a:bodyPr/>
-          <a:lstStyle/>
-          <a:p>
-            <a:r>
-              <a:rPr lang="en-IE"/>
-              <a:t>MongoDB as a Service</a:t>
-            </a:r>
-          </a:p>
-        </p:txBody>
-      </p:sp>
-      <p:sp>
-        <p:nvSpPr>
-          <p:cNvPr id="3" name="Content Placeholder 2"/>
-          <p:cNvSpPr>
-            <a:spLocks noGrp="1"/>
-          </p:cNvSpPr>
-          <p:nvPr>
-            <p:ph idx="1"/>
-          </p:nvPr>
-        </p:nvSpPr>
-        <p:spPr/>
-        <p:txBody>
-          <a:bodyPr/>
-          <a:lstStyle/>
-          <a:p>
-            <a:r>
-              <a:rPr lang="en-IE"/>
-              <a:t>Best practice for initial development is to host </a:t>
-            </a:r>
-            <a:r>
-              <a:rPr lang="en-IE" err="1"/>
-              <a:t>MongDB</a:t>
-            </a:r>
-            <a:r>
-              <a:rPr lang="en-IE"/>
-              <a:t> process on your development machine</a:t>
-            </a:r>
-          </a:p>
-          <a:p>
-            <a:r>
-              <a:rPr lang="en-IE"/>
-              <a:t>In production environments, Mongo will be hosted:</a:t>
-            </a:r>
-          </a:p>
-          <a:p>
-            <a:pPr lvl="1"/>
-            <a:r>
-              <a:rPr lang="en-IE"/>
-              <a:t> on it’s own instance or </a:t>
-            </a:r>
-          </a:p>
-          <a:p>
-            <a:pPr lvl="1"/>
-            <a:r>
-              <a:rPr lang="en-IE"/>
-              <a:t>provisioned as a service</a:t>
-            </a:r>
-          </a:p>
-        </p:txBody>
-      </p:sp>
-    </p:spTree>
-    <p:extLst>
-      <p:ext uri="{BB962C8B-B14F-4D97-AF65-F5344CB8AC3E}">
-        <p14:creationId xmlns:p14="http://schemas.microsoft.com/office/powerpoint/2010/main" val="3399238275"/>
-      </p:ext>
-    </p:extLst>
-  </p:cSld>
-  <p:clrMapOvr>
-    <a:masterClrMapping/>
-  </p:clrMapOvr>
-</p:sld>
-</file>
-
-<file path=ppt/slides/slide38.xml><?xml version="1.0" encoding="utf-8"?>
-<p:sld xmlns:a="http://schemas.openxmlformats.org/drawingml/2006/main" xmlns:r="http://schemas.openxmlformats.org/officeDocument/2006/relationships" xmlns:p="http://schemas.openxmlformats.org/presentationml/2006/main">
-  <p:cSld>
-    <p:spTree>
-      <p:nvGrpSpPr>
-        <p:cNvPr id="1" name=""/>
-        <p:cNvGrpSpPr/>
-        <p:nvPr/>
-      </p:nvGrpSpPr>
-      <p:grpSpPr>
-        <a:xfrm>
-          <a:off x="0" y="0"/>
-          <a:ext cx="0" cy="0"/>
-          <a:chOff x="0" y="0"/>
-          <a:chExt cx="0" cy="0"/>
-        </a:xfrm>
-      </p:grpSpPr>
-      <p:sp>
-        <p:nvSpPr>
-          <p:cNvPr id="2" name="Title 1"/>
-          <p:cNvSpPr>
-            <a:spLocks noGrp="1"/>
-          </p:cNvSpPr>
-          <p:nvPr>
-            <p:ph type="title"/>
-          </p:nvPr>
-        </p:nvSpPr>
-        <p:spPr/>
-        <p:txBody>
-          <a:bodyPr/>
-          <a:lstStyle/>
-          <a:p>
-            <a:r>
-              <a:rPr lang="en-IE"/>
-              <a:t>MongoDB as a Service</a:t>
-            </a:r>
-          </a:p>
-        </p:txBody>
-      </p:sp>
-      <p:sp>
-        <p:nvSpPr>
-          <p:cNvPr id="3" name="Content Placeholder 2"/>
-          <p:cNvSpPr>
-            <a:spLocks noGrp="1"/>
-          </p:cNvSpPr>
-          <p:nvPr>
-            <p:ph idx="1"/>
-          </p:nvPr>
-        </p:nvSpPr>
-        <p:spPr/>
-        <p:txBody>
-          <a:bodyPr/>
-          <a:lstStyle/>
-          <a:p>
-            <a:endParaRPr lang="en-IE"/>
-          </a:p>
-        </p:txBody>
-      </p:sp>
-      <p:pic>
-        <p:nvPicPr>
-          <p:cNvPr id="4" name="Picture 3"/>
           <p:cNvPicPr>
             <a:picLocks noChangeAspect="1"/>
           </p:cNvPicPr>
@@ -8310,32 +8087,8 @@
         </p:blipFill>
         <p:spPr>
           <a:xfrm>
-            <a:off x="460717" y="1219200"/>
-            <a:ext cx="4876800" cy="2599056"/>
-          </a:xfrm>
-          <a:prstGeom prst="rect">
-            <a:avLst/>
-          </a:prstGeom>
-        </p:spPr>
-      </p:pic>
-      <p:pic>
-        <p:nvPicPr>
-          <p:cNvPr id="5" name="Picture 4"/>
-          <p:cNvPicPr>
-            <a:picLocks noChangeAspect="1"/>
-          </p:cNvPicPr>
-          <p:nvPr/>
-        </p:nvPicPr>
-        <p:blipFill>
-          <a:blip r:embed="rId3"/>
-          <a:stretch>
-            <a:fillRect/>
-          </a:stretch>
-        </p:blipFill>
-        <p:spPr>
-          <a:xfrm>
-            <a:off x="3886199" y="3818256"/>
-            <a:ext cx="4988797" cy="2658744"/>
+            <a:off x="83762" y="1294334"/>
+            <a:ext cx="9144000" cy="4381013"/>
           </a:xfrm>
           <a:prstGeom prst="rect">
             <a:avLst/>
@@ -8355,7 +8108,7 @@
 </p:sld>
 </file>
 
-<file path=ppt/slides/slide39.xml><?xml version="1.0" encoding="utf-8"?>
+<file path=ppt/slides/slide37.xml><?xml version="1.0" encoding="utf-8"?>
 <p:sld xmlns:a="http://schemas.openxmlformats.org/drawingml/2006/main" xmlns:r="http://schemas.openxmlformats.org/officeDocument/2006/relationships" xmlns:p="http://schemas.openxmlformats.org/presentationml/2006/main">
   <p:cSld>
     <p:spTree>
